--- a/reference/Filter/Filter_Test_2.pptx
+++ b/reference/Filter/Filter_Test_2.pptx
@@ -8485,7 +8485,7 @@
             </a:r>
             <a:r>
               <a:rPr lang="en-US" altLang="ko-KR" dirty="0" err="1"/>
-              <a:t>iir_hpf.v</a:t>
+              <a:t>iir_lpf.v</a:t>
             </a:r>
             <a:r>
               <a:rPr lang="en-US" altLang="ko-KR" dirty="0"/>
